--- a/bidisha/documentation/CLINIC WEBSITE1.pptx
+++ b/bidisha/documentation/CLINIC WEBSITE1.pptx
@@ -294,7 +294,7 @@
           <a:p>
             <a:fld id="{64E52761-BD63-40E8-BA8D-AB9314FBA8EF}" type="datetimeFigureOut">
               <a:rPr lang="en-US" smtClean="0"/>
-              <a:t>1/19/2022</a:t>
+              <a:t>2/2/2022</a:t>
             </a:fld>
             <a:endParaRPr lang="en-US"/>
           </a:p>
@@ -464,7 +464,7 @@
           <a:p>
             <a:fld id="{64E52761-BD63-40E8-BA8D-AB9314FBA8EF}" type="datetimeFigureOut">
               <a:rPr lang="en-US" smtClean="0"/>
-              <a:t>1/19/2022</a:t>
+              <a:t>2/2/2022</a:t>
             </a:fld>
             <a:endParaRPr lang="en-US"/>
           </a:p>
@@ -644,7 +644,7 @@
           <a:p>
             <a:fld id="{64E52761-BD63-40E8-BA8D-AB9314FBA8EF}" type="datetimeFigureOut">
               <a:rPr lang="en-US" smtClean="0"/>
-              <a:t>1/19/2022</a:t>
+              <a:t>2/2/2022</a:t>
             </a:fld>
             <a:endParaRPr lang="en-US"/>
           </a:p>
@@ -814,7 +814,7 @@
           <a:p>
             <a:fld id="{64E52761-BD63-40E8-BA8D-AB9314FBA8EF}" type="datetimeFigureOut">
               <a:rPr lang="en-US" smtClean="0"/>
-              <a:t>1/19/2022</a:t>
+              <a:t>2/2/2022</a:t>
             </a:fld>
             <a:endParaRPr lang="en-US"/>
           </a:p>
@@ -1060,7 +1060,7 @@
           <a:p>
             <a:fld id="{64E52761-BD63-40E8-BA8D-AB9314FBA8EF}" type="datetimeFigureOut">
               <a:rPr lang="en-US" smtClean="0"/>
-              <a:t>1/19/2022</a:t>
+              <a:t>2/2/2022</a:t>
             </a:fld>
             <a:endParaRPr lang="en-US"/>
           </a:p>
@@ -1348,7 +1348,7 @@
           <a:p>
             <a:fld id="{64E52761-BD63-40E8-BA8D-AB9314FBA8EF}" type="datetimeFigureOut">
               <a:rPr lang="en-US" smtClean="0"/>
-              <a:t>1/19/2022</a:t>
+              <a:t>2/2/2022</a:t>
             </a:fld>
             <a:endParaRPr lang="en-US"/>
           </a:p>
@@ -1770,7 +1770,7 @@
           <a:p>
             <a:fld id="{64E52761-BD63-40E8-BA8D-AB9314FBA8EF}" type="datetimeFigureOut">
               <a:rPr lang="en-US" smtClean="0"/>
-              <a:t>1/19/2022</a:t>
+              <a:t>2/2/2022</a:t>
             </a:fld>
             <a:endParaRPr lang="en-US"/>
           </a:p>
@@ -1888,7 +1888,7 @@
           <a:p>
             <a:fld id="{64E52761-BD63-40E8-BA8D-AB9314FBA8EF}" type="datetimeFigureOut">
               <a:rPr lang="en-US" smtClean="0"/>
-              <a:t>1/19/2022</a:t>
+              <a:t>2/2/2022</a:t>
             </a:fld>
             <a:endParaRPr lang="en-US"/>
           </a:p>
@@ -1983,7 +1983,7 @@
           <a:p>
             <a:fld id="{64E52761-BD63-40E8-BA8D-AB9314FBA8EF}" type="datetimeFigureOut">
               <a:rPr lang="en-US" smtClean="0"/>
-              <a:t>1/19/2022</a:t>
+              <a:t>2/2/2022</a:t>
             </a:fld>
             <a:endParaRPr lang="en-US"/>
           </a:p>
@@ -2260,7 +2260,7 @@
           <a:p>
             <a:fld id="{64E52761-BD63-40E8-BA8D-AB9314FBA8EF}" type="datetimeFigureOut">
               <a:rPr lang="en-US" smtClean="0"/>
-              <a:t>1/19/2022</a:t>
+              <a:t>2/2/2022</a:t>
             </a:fld>
             <a:endParaRPr lang="en-US"/>
           </a:p>
@@ -2513,7 +2513,7 @@
           <a:p>
             <a:fld id="{64E52761-BD63-40E8-BA8D-AB9314FBA8EF}" type="datetimeFigureOut">
               <a:rPr lang="en-US" smtClean="0"/>
-              <a:t>1/19/2022</a:t>
+              <a:t>2/2/2022</a:t>
             </a:fld>
             <a:endParaRPr lang="en-US"/>
           </a:p>
@@ -2726,7 +2726,7 @@
           <a:p>
             <a:fld id="{64E52761-BD63-40E8-BA8D-AB9314FBA8EF}" type="datetimeFigureOut">
               <a:rPr lang="en-US" smtClean="0"/>
-              <a:t>1/19/2022</a:t>
+              <a:t>2/2/2022</a:t>
             </a:fld>
             <a:endParaRPr lang="en-US"/>
           </a:p>
@@ -3187,45 +3187,31 @@
       </p:sp>
       <p:pic>
         <p:nvPicPr>
-          <p:cNvPr id="2050" name="Picture 2" descr="C:\Users\TAPAS\Desktop\00_Preview.__large_preview.jpg"/>
+          <p:cNvPr id="4" name="Content Placeholder 3"/>
           <p:cNvPicPr>
-            <a:picLocks noGrp="1" noChangeAspect="1" noChangeArrowheads="1"/>
+            <a:picLocks noGrp="1" noChangeAspect="1"/>
           </p:cNvPicPr>
           <p:nvPr>
             <p:ph idx="1"/>
           </p:nvPr>
         </p:nvPicPr>
         <p:blipFill>
-          <a:blip r:embed="rId2">
+          <a:blip r:embed="rId2" cstate="print">
             <a:extLst>
               <a:ext uri="{28A0092B-C50C-407E-A947-70E740481C1C}">
                 <a14:useLocalDpi xmlns:a14="http://schemas.microsoft.com/office/drawing/2010/main" val="0"/>
               </a:ext>
             </a:extLst>
           </a:blip>
-          <a:srcRect/>
           <a:stretch>
             <a:fillRect/>
           </a:stretch>
         </p:blipFill>
-        <p:spPr bwMode="auto">
+        <p:spPr>
           <a:xfrm>
-            <a:off x="838200" y="2057400"/>
-            <a:ext cx="7493000" cy="3810000"/>
+            <a:off x="457200" y="1752600"/>
+            <a:ext cx="8229600" cy="4648200"/>
           </a:xfrm>
-          <a:prstGeom prst="rect">
-            <a:avLst/>
-          </a:prstGeom>
-          <a:noFill/>
-          <a:extLst>
-            <a:ext uri="{909E8E84-426E-40DD-AFC4-6F175D3DCCD1}">
-              <a14:hiddenFill xmlns:a14="http://schemas.microsoft.com/office/drawing/2010/main">
-                <a:solidFill>
-                  <a:srgbClr val="FFFFFF"/>
-                </a:solidFill>
-              </a14:hiddenFill>
-            </a:ext>
-          </a:extLst>
         </p:spPr>
       </p:pic>
     </p:spTree>
